--- a/PodHandler.pptx
+++ b/PodHandler.pptx
@@ -130,6 +130,7 @@
 <p1510:revInfo xmlns:a="http://schemas.openxmlformats.org/drawingml/2006/main" xmlns:r="http://schemas.openxmlformats.org/officeDocument/2006/relationships" xmlns:p1510="http://schemas.microsoft.com/office/powerpoint/2015/10/main">
   <p1510:revLst>
     <p1510:client id="{70C0FEE0-FB0D-4F40-9A68-6E1E0B145234}" v="1" dt="2019-06-13T14:02:40.094"/>
+    <p1510:client id="{9E06B9D7-5EC7-40AF-8A98-EC580EAB6861}" v="1" dt="2019-06-13T19:14:41.517"/>
     <p1510:client id="{C0AD668D-E425-4C11-924B-B78364666813}" v="1" dt="2019-06-13T13:52:00.734"/>
   </p1510:revLst>
 </p1510:revInfo>
@@ -917,6 +918,18 @@
   <p:clrMapOvr>
     <a:masterClrMapping/>
   </p:clrMapOvr>
+  <mc:AlternateContent xmlns:mc="http://schemas.openxmlformats.org/markup-compatibility/2006">
+    <mc:Choice xmlns:p159="http://schemas.microsoft.com/office/powerpoint/2015/09/main" Requires="p159">
+      <p:transition xmlns:p14="http://schemas.microsoft.com/office/powerpoint/2010/main" spd="slow" p14:dur="2000">
+        <p159:morph option="byWord"/>
+      </p:transition>
+    </mc:Choice>
+    <mc:Fallback>
+      <p:transition spd="slow">
+        <p:fade/>
+      </p:transition>
+    </mc:Fallback>
+  </mc:AlternateContent>
 </p:sldLayout>
 </file>
 
@@ -1170,6 +1183,18 @@
   <p:clrMapOvr>
     <a:masterClrMapping/>
   </p:clrMapOvr>
+  <mc:AlternateContent xmlns:mc="http://schemas.openxmlformats.org/markup-compatibility/2006">
+    <mc:Choice xmlns:p159="http://schemas.microsoft.com/office/powerpoint/2015/09/main" Requires="p159">
+      <p:transition xmlns:p14="http://schemas.microsoft.com/office/powerpoint/2010/main" spd="slow" p14:dur="2000">
+        <p159:morph option="byWord"/>
+      </p:transition>
+    </mc:Choice>
+    <mc:Fallback>
+      <p:transition spd="slow">
+        <p:fade/>
+      </p:transition>
+    </mc:Fallback>
+  </mc:AlternateContent>
 </p:sldLayout>
 </file>
 
@@ -1576,6 +1601,18 @@
   <p:clrMapOvr>
     <a:masterClrMapping/>
   </p:clrMapOvr>
+  <mc:AlternateContent xmlns:mc="http://schemas.openxmlformats.org/markup-compatibility/2006">
+    <mc:Choice xmlns:p159="http://schemas.microsoft.com/office/powerpoint/2015/09/main" Requires="p159">
+      <p:transition xmlns:p14="http://schemas.microsoft.com/office/powerpoint/2010/main" spd="slow" p14:dur="2000">
+        <p159:morph option="byWord"/>
+      </p:transition>
+    </mc:Choice>
+    <mc:Fallback>
+      <p:transition spd="slow">
+        <p:fade/>
+      </p:transition>
+    </mc:Fallback>
+  </mc:AlternateContent>
 </p:sldLayout>
 </file>
 
@@ -1829,6 +1866,18 @@
   <p:clrMapOvr>
     <a:masterClrMapping/>
   </p:clrMapOvr>
+  <mc:AlternateContent xmlns:mc="http://schemas.openxmlformats.org/markup-compatibility/2006">
+    <mc:Choice xmlns:p159="http://schemas.microsoft.com/office/powerpoint/2015/09/main" Requires="p159">
+      <p:transition xmlns:p14="http://schemas.microsoft.com/office/powerpoint/2010/main" spd="slow" p14:dur="2000">
+        <p159:morph option="byWord"/>
+      </p:transition>
+    </mc:Choice>
+    <mc:Fallback>
+      <p:transition spd="slow">
+        <p:fade/>
+      </p:transition>
+    </mc:Fallback>
+  </mc:AlternateContent>
 </p:sldLayout>
 </file>
 
@@ -2227,6 +2276,18 @@
   <p:clrMapOvr>
     <a:masterClrMapping/>
   </p:clrMapOvr>
+  <mc:AlternateContent xmlns:mc="http://schemas.openxmlformats.org/markup-compatibility/2006">
+    <mc:Choice xmlns:p159="http://schemas.microsoft.com/office/powerpoint/2015/09/main" Requires="p159">
+      <p:transition xmlns:p14="http://schemas.microsoft.com/office/powerpoint/2010/main" spd="slow" p14:dur="2000">
+        <p159:morph option="byWord"/>
+      </p:transition>
+    </mc:Choice>
+    <mc:Fallback>
+      <p:transition spd="slow">
+        <p:fade/>
+      </p:transition>
+    </mc:Fallback>
+  </mc:AlternateContent>
 </p:sldLayout>
 </file>
 
@@ -2540,6 +2601,18 @@
   <p:clrMapOvr>
     <a:masterClrMapping/>
   </p:clrMapOvr>
+  <mc:AlternateContent xmlns:mc="http://schemas.openxmlformats.org/markup-compatibility/2006">
+    <mc:Choice xmlns:p159="http://schemas.microsoft.com/office/powerpoint/2015/09/main" Requires="p159">
+      <p:transition xmlns:p14="http://schemas.microsoft.com/office/powerpoint/2010/main" spd="slow" p14:dur="2000">
+        <p159:morph option="byWord"/>
+      </p:transition>
+    </mc:Choice>
+    <mc:Fallback>
+      <p:transition spd="slow">
+        <p:fade/>
+      </p:transition>
+    </mc:Fallback>
+  </mc:AlternateContent>
 </p:sldLayout>
 </file>
 
@@ -2710,6 +2783,18 @@
   <p:clrMapOvr>
     <a:masterClrMapping/>
   </p:clrMapOvr>
+  <mc:AlternateContent xmlns:mc="http://schemas.openxmlformats.org/markup-compatibility/2006">
+    <mc:Choice xmlns:p159="http://schemas.microsoft.com/office/powerpoint/2015/09/main" Requires="p159">
+      <p:transition xmlns:p14="http://schemas.microsoft.com/office/powerpoint/2010/main" spd="slow" p14:dur="2000">
+        <p159:morph option="byWord"/>
+      </p:transition>
+    </mc:Choice>
+    <mc:Fallback>
+      <p:transition spd="slow">
+        <p:fade/>
+      </p:transition>
+    </mc:Fallback>
+  </mc:AlternateContent>
 </p:sldLayout>
 </file>
 
@@ -2892,6 +2977,18 @@
   <p:clrMapOvr>
     <a:masterClrMapping/>
   </p:clrMapOvr>
+  <mc:AlternateContent xmlns:mc="http://schemas.openxmlformats.org/markup-compatibility/2006">
+    <mc:Choice xmlns:p159="http://schemas.microsoft.com/office/powerpoint/2015/09/main" Requires="p159">
+      <p:transition xmlns:p14="http://schemas.microsoft.com/office/powerpoint/2010/main" spd="slow" p14:dur="2000">
+        <p159:morph option="byWord"/>
+      </p:transition>
+    </mc:Choice>
+    <mc:Fallback>
+      <p:transition spd="slow">
+        <p:fade/>
+      </p:transition>
+    </mc:Fallback>
+  </mc:AlternateContent>
 </p:sldLayout>
 </file>
 
@@ -3070,6 +3167,18 @@
   <p:clrMapOvr>
     <a:masterClrMapping/>
   </p:clrMapOvr>
+  <mc:AlternateContent xmlns:mc="http://schemas.openxmlformats.org/markup-compatibility/2006">
+    <mc:Choice xmlns:p159="http://schemas.microsoft.com/office/powerpoint/2015/09/main" Requires="p159">
+      <p:transition xmlns:p14="http://schemas.microsoft.com/office/powerpoint/2010/main" spd="slow" p14:dur="2000">
+        <p159:morph option="byWord"/>
+      </p:transition>
+    </mc:Choice>
+    <mc:Fallback>
+      <p:transition spd="slow">
+        <p:fade/>
+      </p:transition>
+    </mc:Fallback>
+  </mc:AlternateContent>
 </p:sldLayout>
 </file>
 
@@ -3319,6 +3428,18 @@
   <p:clrMapOvr>
     <a:masterClrMapping/>
   </p:clrMapOvr>
+  <mc:AlternateContent xmlns:mc="http://schemas.openxmlformats.org/markup-compatibility/2006">
+    <mc:Choice xmlns:p159="http://schemas.microsoft.com/office/powerpoint/2015/09/main" Requires="p159">
+      <p:transition xmlns:p14="http://schemas.microsoft.com/office/powerpoint/2010/main" spd="slow" p14:dur="2000">
+        <p159:morph option="byWord"/>
+      </p:transition>
+    </mc:Choice>
+    <mc:Fallback>
+      <p:transition spd="slow">
+        <p:fade/>
+      </p:transition>
+    </mc:Fallback>
+  </mc:AlternateContent>
 </p:sldLayout>
 </file>
 
@@ -3551,6 +3672,18 @@
   <p:clrMapOvr>
     <a:masterClrMapping/>
   </p:clrMapOvr>
+  <mc:AlternateContent xmlns:mc="http://schemas.openxmlformats.org/markup-compatibility/2006">
+    <mc:Choice xmlns:p159="http://schemas.microsoft.com/office/powerpoint/2015/09/main" Requires="p159">
+      <p:transition xmlns:p14="http://schemas.microsoft.com/office/powerpoint/2010/main" spd="slow" p14:dur="2000">
+        <p159:morph option="byWord"/>
+      </p:transition>
+    </mc:Choice>
+    <mc:Fallback>
+      <p:transition spd="slow">
+        <p:fade/>
+      </p:transition>
+    </mc:Fallback>
+  </mc:AlternateContent>
 </p:sldLayout>
 </file>
 
@@ -3927,6 +4060,18 @@
   <p:clrMapOvr>
     <a:masterClrMapping/>
   </p:clrMapOvr>
+  <mc:AlternateContent xmlns:mc="http://schemas.openxmlformats.org/markup-compatibility/2006">
+    <mc:Choice xmlns:p159="http://schemas.microsoft.com/office/powerpoint/2015/09/main" Requires="p159">
+      <p:transition xmlns:p14="http://schemas.microsoft.com/office/powerpoint/2010/main" spd="slow" p14:dur="2000">
+        <p159:morph option="byWord"/>
+      </p:transition>
+    </mc:Choice>
+    <mc:Fallback>
+      <p:transition spd="slow">
+        <p:fade/>
+      </p:transition>
+    </mc:Fallback>
+  </mc:AlternateContent>
 </p:sldLayout>
 </file>
 
@@ -4052,6 +4197,18 @@
   <p:clrMapOvr>
     <a:masterClrMapping/>
   </p:clrMapOvr>
+  <mc:AlternateContent xmlns:mc="http://schemas.openxmlformats.org/markup-compatibility/2006">
+    <mc:Choice xmlns:p159="http://schemas.microsoft.com/office/powerpoint/2015/09/main" Requires="p159">
+      <p:transition xmlns:p14="http://schemas.microsoft.com/office/powerpoint/2010/main" spd="slow" p14:dur="2000">
+        <p159:morph option="byWord"/>
+      </p:transition>
+    </mc:Choice>
+    <mc:Fallback>
+      <p:transition spd="slow">
+        <p:fade/>
+      </p:transition>
+    </mc:Fallback>
+  </mc:AlternateContent>
 </p:sldLayout>
 </file>
 
@@ -4149,6 +4306,18 @@
   <p:clrMapOvr>
     <a:masterClrMapping/>
   </p:clrMapOvr>
+  <mc:AlternateContent xmlns:mc="http://schemas.openxmlformats.org/markup-compatibility/2006">
+    <mc:Choice xmlns:p159="http://schemas.microsoft.com/office/powerpoint/2015/09/main" Requires="p159">
+      <p:transition xmlns:p14="http://schemas.microsoft.com/office/powerpoint/2010/main" spd="slow" p14:dur="2000">
+        <p159:morph option="byWord"/>
+      </p:transition>
+    </mc:Choice>
+    <mc:Fallback>
+      <p:transition spd="slow">
+        <p:fade/>
+      </p:transition>
+    </mc:Fallback>
+  </mc:AlternateContent>
 </p:sldLayout>
 </file>
 
@@ -4404,6 +4573,18 @@
   <p:clrMapOvr>
     <a:masterClrMapping/>
   </p:clrMapOvr>
+  <mc:AlternateContent xmlns:mc="http://schemas.openxmlformats.org/markup-compatibility/2006">
+    <mc:Choice xmlns:p159="http://schemas.microsoft.com/office/powerpoint/2015/09/main" Requires="p159">
+      <p:transition xmlns:p14="http://schemas.microsoft.com/office/powerpoint/2010/main" spd="slow" p14:dur="2000">
+        <p159:morph option="byWord"/>
+      </p:transition>
+    </mc:Choice>
+    <mc:Fallback>
+      <p:transition spd="slow">
+        <p:fade/>
+      </p:transition>
+    </mc:Fallback>
+  </mc:AlternateContent>
 </p:sldLayout>
 </file>
 
@@ -4669,6 +4850,18 @@
   <p:clrMapOvr>
     <a:masterClrMapping/>
   </p:clrMapOvr>
+  <mc:AlternateContent xmlns:mc="http://schemas.openxmlformats.org/markup-compatibility/2006">
+    <mc:Choice xmlns:p159="http://schemas.microsoft.com/office/powerpoint/2015/09/main" Requires="p159">
+      <p:transition xmlns:p14="http://schemas.microsoft.com/office/powerpoint/2010/main" spd="slow" p14:dur="2000">
+        <p159:morph option="byWord"/>
+      </p:transition>
+    </mc:Choice>
+    <mc:Fallback>
+      <p:transition spd="slow">
+        <p:fade/>
+      </p:transition>
+    </mc:Fallback>
+  </mc:AlternateContent>
 </p:sldLayout>
 </file>
 
@@ -5464,6 +5657,18 @@
     <p:sldLayoutId id="2147483700" r:id="rId15"/>
     <p:sldLayoutId id="2147483701" r:id="rId16"/>
   </p:sldLayoutIdLst>
+  <mc:AlternateContent xmlns:mc="http://schemas.openxmlformats.org/markup-compatibility/2006">
+    <mc:Choice xmlns:p159="http://schemas.microsoft.com/office/powerpoint/2015/09/main" Requires="p159">
+      <p:transition xmlns:p14="http://schemas.microsoft.com/office/powerpoint/2010/main" spd="slow" p14:dur="2000">
+        <p159:morph option="byWord"/>
+      </p:transition>
+    </mc:Choice>
+    <mc:Fallback>
+      <p:transition spd="slow">
+        <p:fade/>
+      </p:transition>
+    </mc:Fallback>
+  </mc:AlternateContent>
   <p:txStyles>
     <p:titleStyle>
       <a:lvl1pPr algn="l" defTabSz="457200" rtl="0" eaLnBrk="1" latinLnBrk="0" hangingPunct="1">
@@ -6086,6 +6291,18 @@
   <p:clrMapOvr>
     <a:masterClrMapping/>
   </p:clrMapOvr>
+  <mc:AlternateContent xmlns:mc="http://schemas.openxmlformats.org/markup-compatibility/2006">
+    <mc:Choice xmlns:p159="http://schemas.microsoft.com/office/powerpoint/2015/09/main" Requires="p159">
+      <p:transition xmlns:p14="http://schemas.microsoft.com/office/powerpoint/2010/main" spd="slow" p14:dur="2000">
+        <p159:morph option="byWord"/>
+      </p:transition>
+    </mc:Choice>
+    <mc:Fallback>
+      <p:transition spd="slow">
+        <p:fade/>
+      </p:transition>
+    </mc:Fallback>
+  </mc:AlternateContent>
 </p:sld>
 </file>
 
@@ -6165,13 +6382,13 @@
           <p:nvPr>
             <p:extLst>
               <p:ext uri="{D42A27DB-BD31-4B8C-83A1-F6EECF244321}">
-                <p14:modId xmlns:p14="http://schemas.microsoft.com/office/powerpoint/2010/main" val="1263890925"/>
+                <p14:modId xmlns:p14="http://schemas.microsoft.com/office/powerpoint/2010/main" val="3141061495"/>
               </p:ext>
             </p:extLst>
           </p:nvPr>
         </p:nvGraphicFramePr>
         <p:xfrm>
-          <a:off x="77164" y="1089949"/>
+          <a:off x="-13550" y="1089949"/>
           <a:ext cx="8344861" cy="5780652"/>
         </p:xfrm>
         <a:graphic>
@@ -7024,10 +7241,10 @@
       </p:sp>
       <p:pic>
         <p:nvPicPr>
-          <p:cNvPr id="3" name="Graphic 3">
+          <p:cNvPr id="2" name="Graphic 3">
             <a:extLst>
               <a:ext uri="{FF2B5EF4-FFF2-40B4-BE49-F238E27FC236}">
-                <a16:creationId xmlns:a16="http://schemas.microsoft.com/office/drawing/2014/main" id="{581EB674-49F8-4E9B-802A-83F9DF30EFB3}"/>
+                <a16:creationId xmlns:a16="http://schemas.microsoft.com/office/drawing/2014/main" id="{1163B94D-A896-4604-87E0-C7CA24A267AE}"/>
               </a:ext>
             </a:extLst>
           </p:cNvPr>
@@ -7050,8 +7267,8 @@
         </p:blipFill>
         <p:spPr>
           <a:xfrm>
-            <a:off x="7626064" y="-569108"/>
-            <a:ext cx="2069122" cy="2926527"/>
+            <a:off x="7423508" y="-569108"/>
+            <a:ext cx="2271678" cy="3206248"/>
           </a:xfrm>
           <a:prstGeom prst="rect">
             <a:avLst/>
@@ -7068,6 +7285,18 @@
   <p:clrMapOvr>
     <a:masterClrMapping/>
   </p:clrMapOvr>
+  <mc:AlternateContent xmlns:mc="http://schemas.openxmlformats.org/markup-compatibility/2006">
+    <mc:Choice xmlns:p159="http://schemas.microsoft.com/office/powerpoint/2015/09/main" Requires="p159">
+      <p:transition xmlns:p14="http://schemas.microsoft.com/office/powerpoint/2010/main" spd="slow" p14:dur="2000">
+        <p159:morph option="byWord"/>
+      </p:transition>
+    </mc:Choice>
+    <mc:Fallback>
+      <p:transition spd="slow">
+        <p:fade/>
+      </p:transition>
+    </mc:Fallback>
+  </mc:AlternateContent>
 </p:sld>
 </file>
 
@@ -8022,6 +8251,18 @@
   <p:clrMapOvr>
     <a:masterClrMapping/>
   </p:clrMapOvr>
+  <mc:AlternateContent xmlns:mc="http://schemas.openxmlformats.org/markup-compatibility/2006">
+    <mc:Choice xmlns:p159="http://schemas.microsoft.com/office/powerpoint/2015/09/main" Requires="p159">
+      <p:transition xmlns:p14="http://schemas.microsoft.com/office/powerpoint/2010/main" spd="slow" p14:dur="2000">
+        <p159:morph option="byWord"/>
+      </p:transition>
+    </mc:Choice>
+    <mc:Fallback>
+      <p:transition spd="slow">
+        <p:fade/>
+      </p:transition>
+    </mc:Fallback>
+  </mc:AlternateContent>
 </p:sld>
 </file>
 
@@ -8167,6 +8408,18 @@
   <p:clrMapOvr>
     <a:masterClrMapping/>
   </p:clrMapOvr>
+  <mc:AlternateContent xmlns:mc="http://schemas.openxmlformats.org/markup-compatibility/2006">
+    <mc:Choice xmlns:p159="http://schemas.microsoft.com/office/powerpoint/2015/09/main" Requires="p159">
+      <p:transition xmlns:p14="http://schemas.microsoft.com/office/powerpoint/2010/main" spd="slow" p14:dur="2000">
+        <p159:morph option="byWord"/>
+      </p:transition>
+    </mc:Choice>
+    <mc:Fallback>
+      <p:transition spd="slow">
+        <p:fade/>
+      </p:transition>
+    </mc:Fallback>
+  </mc:AlternateContent>
 </p:sld>
 </file>
 
@@ -8522,6 +8775,18 @@
   <p:clrMapOvr>
     <a:masterClrMapping/>
   </p:clrMapOvr>
+  <mc:AlternateContent xmlns:mc="http://schemas.openxmlformats.org/markup-compatibility/2006">
+    <mc:Choice xmlns:p159="http://schemas.microsoft.com/office/powerpoint/2015/09/main" Requires="p159">
+      <p:transition xmlns:p14="http://schemas.microsoft.com/office/powerpoint/2010/main" spd="slow" p14:dur="2000">
+        <p159:morph option="byWord"/>
+      </p:transition>
+    </mc:Choice>
+    <mc:Fallback>
+      <p:transition spd="slow">
+        <p:fade/>
+      </p:transition>
+    </mc:Fallback>
+  </mc:AlternateContent>
 </p:sld>
 </file>
 
@@ -8721,12 +8986,32 @@
   <p:clrMapOvr>
     <a:masterClrMapping/>
   </p:clrMapOvr>
+  <mc:AlternateContent xmlns:mc="http://schemas.openxmlformats.org/markup-compatibility/2006">
+    <mc:Choice xmlns:p159="http://schemas.microsoft.com/office/powerpoint/2015/09/main" Requires="p159">
+      <p:transition xmlns:p14="http://schemas.microsoft.com/office/powerpoint/2010/main" spd="slow" p14:dur="2000">
+        <p159:morph option="byWord"/>
+      </p:transition>
+    </mc:Choice>
+    <mc:Fallback>
+      <p:transition spd="slow">
+        <p:fade/>
+      </p:transition>
+    </mc:Fallback>
+  </mc:AlternateContent>
 </p:sld>
 </file>
 
 <file path=ppt/slides/slide15.xml><?xml version="1.0" encoding="utf-8"?>
 <p:sld xmlns:a="http://schemas.openxmlformats.org/drawingml/2006/main" xmlns:r="http://schemas.openxmlformats.org/officeDocument/2006/relationships" xmlns:p="http://schemas.openxmlformats.org/presentationml/2006/main">
   <p:cSld>
+    <p:bg>
+      <p:bgPr>
+        <a:solidFill>
+          <a:schemeClr val="bg1"/>
+        </a:solidFill>
+        <a:effectLst/>
+      </p:bgPr>
+    </p:bg>
     <p:spTree>
       <p:nvGrpSpPr>
         <p:cNvPr id="1" name=""/>
@@ -8741,86 +9026,724 @@
           <a:chExt cx="0" cy="0"/>
         </a:xfrm>
       </p:grpSpPr>
-      <p:sp>
-        <p:nvSpPr>
-          <p:cNvPr id="2" name="Title 1">
+      <p:sp useBgFill="1">
+        <p:nvSpPr>
+          <p:cNvPr id="10" name="Rectangle 9">
             <a:extLst>
               <a:ext uri="{FF2B5EF4-FFF2-40B4-BE49-F238E27FC236}">
-                <a16:creationId xmlns:a16="http://schemas.microsoft.com/office/drawing/2014/main" id="{1CBEA528-3C53-47CB-8514-BB7F88665A58}"/>
+                <a16:creationId xmlns:a16="http://schemas.microsoft.com/office/drawing/2014/main" id="{A65AC7D1-EAA9-48F5-B509-60A7F50BF703}"/>
+              </a:ext>
+              <a:ext uri="{C183D7F6-B498-43B3-948B-1728B52AA6E4}">
+                <adec:decorative xmlns:adec="http://schemas.microsoft.com/office/drawing/2017/decorative" val="1"/>
               </a:ext>
             </a:extLst>
           </p:cNvPr>
           <p:cNvSpPr>
-            <a:spLocks noGrp="1"/>
+            <a:spLocks noGrp="1" noRot="1" noChangeAspect="1" noMove="1" noResize="1" noEditPoints="1" noAdjustHandles="1" noChangeArrowheads="1" noChangeShapeType="1" noTextEdit="1"/>
           </p:cNvSpPr>
           <p:nvPr>
-            <p:ph type="title"/>
+            <p:extLst>
+              <p:ext uri="{386F3935-93C4-4BCD-93E2-E3B085C9AB24}">
+                <p16:designElem xmlns:p16="http://schemas.microsoft.com/office/powerpoint/2015/main" val="1"/>
+              </p:ext>
+            </p:extLst>
           </p:nvPr>
         </p:nvSpPr>
         <p:spPr>
           <a:xfrm>
-            <a:off x="677334" y="609600"/>
-            <a:ext cx="8596668" cy="183848"/>
+            <a:off x="0" y="0"/>
+            <a:ext cx="12192000" cy="6858000"/>
           </a:xfrm>
+          <a:prstGeom prst="rect">
+            <a:avLst/>
+          </a:prstGeom>
+          <a:ln>
+            <a:noFill/>
+          </a:ln>
         </p:spPr>
+        <p:style>
+          <a:lnRef idx="2">
+            <a:schemeClr val="accent1">
+              <a:shade val="50000"/>
+            </a:schemeClr>
+          </a:lnRef>
+          <a:fillRef idx="1">
+            <a:schemeClr val="accent1"/>
+          </a:fillRef>
+          <a:effectRef idx="0">
+            <a:schemeClr val="accent1"/>
+          </a:effectRef>
+          <a:fontRef idx="minor">
+            <a:schemeClr val="lt1"/>
+          </a:fontRef>
+        </p:style>
         <p:txBody>
-          <a:bodyPr>
-            <a:normAutofit fontScale="90000"/>
-          </a:bodyPr>
+          <a:bodyPr rtlCol="0" anchor="ctr"/>
           <a:lstStyle/>
           <a:p>
-            <a:endParaRPr lang="de-DE"/>
+            <a:pPr algn="ctr"/>
+            <a:endParaRPr lang="en-US" dirty="0"/>
           </a:p>
         </p:txBody>
       </p:sp>
-      <p:sp>
-        <p:nvSpPr>
-          <p:cNvPr id="3" name="Content Placeholder 2">
+      <p:sp useBgFill="1">
+        <p:nvSpPr>
+          <p:cNvPr id="12" name="Rectangle 11">
             <a:extLst>
               <a:ext uri="{FF2B5EF4-FFF2-40B4-BE49-F238E27FC236}">
-                <a16:creationId xmlns:a16="http://schemas.microsoft.com/office/drawing/2014/main" id="{84E4B546-05E4-4CC1-8E15-86E3B77C2C17}"/>
+                <a16:creationId xmlns:a16="http://schemas.microsoft.com/office/drawing/2014/main" id="{D6320AF9-619A-4175-865B-5663E1AEF4C5}"/>
+              </a:ext>
+              <a:ext uri="{C183D7F6-B498-43B3-948B-1728B52AA6E4}">
+                <adec:decorative xmlns:adec="http://schemas.microsoft.com/office/drawing/2017/decorative" val="1"/>
               </a:ext>
             </a:extLst>
           </p:cNvPr>
           <p:cNvSpPr>
-            <a:spLocks noGrp="1"/>
+            <a:spLocks noGrp="1" noRot="1" noChangeAspect="1" noMove="1" noResize="1" noEditPoints="1" noAdjustHandles="1" noChangeArrowheads="1" noChangeShapeType="1" noTextEdit="1"/>
           </p:cNvSpPr>
           <p:nvPr>
-            <p:ph idx="1"/>
+            <p:extLst>
+              <p:ext uri="{386F3935-93C4-4BCD-93E2-E3B085C9AB24}">
+                <p16:designElem xmlns:p16="http://schemas.microsoft.com/office/powerpoint/2015/main" val="1"/>
+              </p:ext>
+            </p:extLst>
           </p:nvPr>
         </p:nvSpPr>
         <p:spPr>
           <a:xfrm>
-            <a:off x="677334" y="1882399"/>
-            <a:ext cx="8596668" cy="4158963"/>
+            <a:off x="0" y="0"/>
+            <a:ext cx="12192000" cy="6858000"/>
           </a:xfrm>
+          <a:prstGeom prst="rect">
+            <a:avLst/>
+          </a:prstGeom>
+          <a:ln>
+            <a:noFill/>
+          </a:ln>
         </p:spPr>
+        <p:style>
+          <a:lnRef idx="2">
+            <a:schemeClr val="accent1">
+              <a:shade val="50000"/>
+            </a:schemeClr>
+          </a:lnRef>
+          <a:fillRef idx="1">
+            <a:schemeClr val="accent1"/>
+          </a:fillRef>
+          <a:effectRef idx="0">
+            <a:schemeClr val="accent1"/>
+          </a:effectRef>
+          <a:fontRef idx="minor">
+            <a:schemeClr val="lt1"/>
+          </a:fontRef>
+        </p:style>
         <p:txBody>
-          <a:bodyPr vert="horz" lIns="91440" tIns="45720" rIns="91440" bIns="45720" rtlCol="0" anchor="t">
-            <a:normAutofit/>
+          <a:bodyPr rtlCol="0" anchor="ctr"/>
+          <a:lstStyle/>
+          <a:p>
+            <a:pPr algn="ctr"/>
+            <a:endParaRPr lang="en-US"/>
+          </a:p>
+        </p:txBody>
+      </p:sp>
+      <p:cxnSp>
+        <p:nvCxnSpPr>
+          <p:cNvPr id="14" name="Straight Connector 13">
+            <a:extLst>
+              <a:ext uri="{FF2B5EF4-FFF2-40B4-BE49-F238E27FC236}">
+                <a16:creationId xmlns:a16="http://schemas.microsoft.com/office/drawing/2014/main" id="{063B6EC6-D752-4EE7-908B-F8F19E8C7FEA}"/>
+              </a:ext>
+              <a:ext uri="{C183D7F6-B498-43B3-948B-1728B52AA6E4}">
+                <adec:decorative xmlns:adec="http://schemas.microsoft.com/office/drawing/2017/decorative" val="1"/>
+              </a:ext>
+            </a:extLst>
+          </p:cNvPr>
+          <p:cNvCxnSpPr>
+            <a:cxnSpLocks noGrp="1" noRot="1" noChangeAspect="1" noMove="1" noResize="1" noEditPoints="1" noAdjustHandles="1" noChangeArrowheads="1" noChangeShapeType="1"/>
+          </p:cNvCxnSpPr>
+          <p:nvPr>
+            <p:extLst>
+              <p:ext uri="{386F3935-93C4-4BCD-93E2-E3B085C9AB24}">
+                <p16:designElem xmlns:p16="http://schemas.microsoft.com/office/powerpoint/2015/main" val="1"/>
+              </p:ext>
+            </p:extLst>
+          </p:nvPr>
+        </p:nvCxnSpPr>
+        <p:spPr>
+          <a:xfrm>
+            <a:off x="5111313" y="0"/>
+            <a:ext cx="1219200" cy="6858000"/>
+          </a:xfrm>
+          <a:prstGeom prst="line">
+            <a:avLst/>
+          </a:prstGeom>
+          <a:ln w="9525">
+            <a:solidFill>
+              <a:schemeClr val="accent1">
+                <a:lumMod val="75000"/>
+              </a:schemeClr>
+            </a:solidFill>
+          </a:ln>
+        </p:spPr>
+        <p:style>
+          <a:lnRef idx="2">
+            <a:schemeClr val="accent1"/>
+          </a:lnRef>
+          <a:fillRef idx="0">
+            <a:schemeClr val="accent1"/>
+          </a:fillRef>
+          <a:effectRef idx="1">
+            <a:schemeClr val="accent1"/>
+          </a:effectRef>
+          <a:fontRef idx="minor">
+            <a:schemeClr val="tx1"/>
+          </a:fontRef>
+        </p:style>
+      </p:cxnSp>
+      <p:cxnSp>
+        <p:nvCxnSpPr>
+          <p:cNvPr id="16" name="Straight Connector 15">
+            <a:extLst>
+              <a:ext uri="{FF2B5EF4-FFF2-40B4-BE49-F238E27FC236}">
+                <a16:creationId xmlns:a16="http://schemas.microsoft.com/office/drawing/2014/main" id="{EFECD4E8-AD3E-4228-82A2-9461958EA94D}"/>
+              </a:ext>
+              <a:ext uri="{C183D7F6-B498-43B3-948B-1728B52AA6E4}">
+                <adec:decorative xmlns:adec="http://schemas.microsoft.com/office/drawing/2017/decorative" val="1"/>
+              </a:ext>
+            </a:extLst>
+          </p:cNvPr>
+          <p:cNvCxnSpPr>
+            <a:cxnSpLocks noGrp="1" noRot="1" noChangeAspect="1" noMove="1" noResize="1" noEditPoints="1" noAdjustHandles="1" noChangeArrowheads="1" noChangeShapeType="1"/>
+          </p:cNvCxnSpPr>
+          <p:nvPr>
+            <p:extLst>
+              <p:ext uri="{386F3935-93C4-4BCD-93E2-E3B085C9AB24}">
+                <p16:designElem xmlns:p16="http://schemas.microsoft.com/office/powerpoint/2015/main" val="1"/>
+              </p:ext>
+            </p:extLst>
+          </p:nvPr>
+        </p:nvCxnSpPr>
+        <p:spPr>
+          <a:xfrm flipH="1">
+            <a:off x="3290979" y="3681413"/>
+            <a:ext cx="4763558" cy="3176587"/>
+          </a:xfrm>
+          <a:prstGeom prst="line">
+            <a:avLst/>
+          </a:prstGeom>
+          <a:ln w="9525">
+            <a:solidFill>
+              <a:schemeClr val="tx1">
+                <a:lumMod val="50000"/>
+                <a:lumOff val="50000"/>
+                <a:alpha val="80000"/>
+              </a:schemeClr>
+            </a:solidFill>
+          </a:ln>
+        </p:spPr>
+        <p:style>
+          <a:lnRef idx="2">
+            <a:schemeClr val="accent1"/>
+          </a:lnRef>
+          <a:fillRef idx="0">
+            <a:schemeClr val="accent1"/>
+          </a:fillRef>
+          <a:effectRef idx="1">
+            <a:schemeClr val="accent1"/>
+          </a:effectRef>
+          <a:fontRef idx="minor">
+            <a:schemeClr val="tx1"/>
+          </a:fontRef>
+        </p:style>
+      </p:cxnSp>
+      <p:sp>
+        <p:nvSpPr>
+          <p:cNvPr id="18" name="Rectangle 23">
+            <a:extLst>
+              <a:ext uri="{FF2B5EF4-FFF2-40B4-BE49-F238E27FC236}">
+                <a16:creationId xmlns:a16="http://schemas.microsoft.com/office/drawing/2014/main" id="{7E018740-5C2B-4A41-AC1A-7E68D1EC1954}"/>
+              </a:ext>
+              <a:ext uri="{C183D7F6-B498-43B3-948B-1728B52AA6E4}">
+                <adec:decorative xmlns:adec="http://schemas.microsoft.com/office/drawing/2017/decorative" val="1"/>
+              </a:ext>
+            </a:extLst>
+          </p:cNvPr>
+          <p:cNvSpPr>
+            <a:spLocks noGrp="1" noRot="1" noChangeAspect="1" noMove="1" noResize="1" noEditPoints="1" noAdjustHandles="1" noChangeArrowheads="1" noChangeShapeType="1" noTextEdit="1"/>
+          </p:cNvSpPr>
+          <p:nvPr>
+            <p:extLst>
+              <p:ext uri="{386F3935-93C4-4BCD-93E2-E3B085C9AB24}">
+                <p16:designElem xmlns:p16="http://schemas.microsoft.com/office/powerpoint/2015/main" val="1"/>
+              </p:ext>
+            </p:extLst>
+          </p:nvPr>
+        </p:nvSpPr>
+        <p:spPr>
+          <a:xfrm>
+            <a:off x="4482568" y="-8467"/>
+            <a:ext cx="3007349" cy="6866467"/>
+          </a:xfrm>
+          <a:custGeom>
+            <a:avLst/>
+            <a:gdLst/>
+            <a:ahLst/>
+            <a:cxnLst/>
+            <a:rect l="l" t="t" r="r" b="b"/>
+            <a:pathLst>
+              <a:path w="3007349" h="6866467">
+                <a:moveTo>
+                  <a:pt x="2045532" y="0"/>
+                </a:moveTo>
+                <a:lnTo>
+                  <a:pt x="3007349" y="0"/>
+                </a:lnTo>
+                <a:lnTo>
+                  <a:pt x="3007349" y="6866467"/>
+                </a:lnTo>
+                <a:lnTo>
+                  <a:pt x="0" y="6866467"/>
+                </a:lnTo>
+                <a:lnTo>
+                  <a:pt x="2045532" y="0"/>
+                </a:lnTo>
+                <a:close/>
+              </a:path>
+            </a:pathLst>
+          </a:custGeom>
+          <a:solidFill>
+            <a:schemeClr val="accent1">
+              <a:alpha val="30000"/>
+            </a:schemeClr>
+          </a:solidFill>
+          <a:ln>
+            <a:noFill/>
+          </a:ln>
+          <a:effectLst/>
+        </p:spPr>
+        <p:style>
+          <a:lnRef idx="1">
+            <a:schemeClr val="accent1"/>
+          </a:lnRef>
+          <a:fillRef idx="3">
+            <a:schemeClr val="accent1"/>
+          </a:fillRef>
+          <a:effectRef idx="2">
+            <a:schemeClr val="accent1"/>
+          </a:effectRef>
+          <a:fontRef idx="minor">
+            <a:schemeClr val="lt1"/>
+          </a:fontRef>
+        </p:style>
+      </p:sp>
+      <p:sp>
+        <p:nvSpPr>
+          <p:cNvPr id="20" name="Rectangle 25">
+            <a:extLst>
+              <a:ext uri="{FF2B5EF4-FFF2-40B4-BE49-F238E27FC236}">
+                <a16:creationId xmlns:a16="http://schemas.microsoft.com/office/drawing/2014/main" id="{166F75A4-C475-4941-8EE2-B80A06A2C1BB}"/>
+              </a:ext>
+              <a:ext uri="{C183D7F6-B498-43B3-948B-1728B52AA6E4}">
+                <adec:decorative xmlns:adec="http://schemas.microsoft.com/office/drawing/2017/decorative" val="1"/>
+              </a:ext>
+            </a:extLst>
+          </p:cNvPr>
+          <p:cNvSpPr>
+            <a:spLocks noGrp="1" noRot="1" noChangeAspect="1" noMove="1" noResize="1" noEditPoints="1" noAdjustHandles="1" noChangeArrowheads="1" noChangeShapeType="1" noTextEdit="1"/>
+          </p:cNvSpPr>
+          <p:nvPr>
+            <p:extLst>
+              <p:ext uri="{386F3935-93C4-4BCD-93E2-E3B085C9AB24}">
+                <p16:designElem xmlns:p16="http://schemas.microsoft.com/office/powerpoint/2015/main" val="1"/>
+              </p:ext>
+            </p:extLst>
+          </p:nvPr>
+        </p:nvSpPr>
+        <p:spPr>
+          <a:xfrm>
+            <a:off x="4904534" y="-8467"/>
+            <a:ext cx="2588558" cy="6866467"/>
+          </a:xfrm>
+          <a:custGeom>
+            <a:avLst/>
+            <a:gdLst/>
+            <a:ahLst/>
+            <a:cxnLst/>
+            <a:rect l="l" t="t" r="r" b="b"/>
+            <a:pathLst>
+              <a:path w="2573311" h="6866467">
+                <a:moveTo>
+                  <a:pt x="0" y="0"/>
+                </a:moveTo>
+                <a:lnTo>
+                  <a:pt x="2573311" y="0"/>
+                </a:lnTo>
+                <a:lnTo>
+                  <a:pt x="2573311" y="6866467"/>
+                </a:lnTo>
+                <a:lnTo>
+                  <a:pt x="1202336" y="6866467"/>
+                </a:lnTo>
+                <a:lnTo>
+                  <a:pt x="0" y="0"/>
+                </a:lnTo>
+                <a:close/>
+              </a:path>
+            </a:pathLst>
+          </a:custGeom>
+          <a:solidFill>
+            <a:schemeClr val="accent1">
+              <a:alpha val="20000"/>
+            </a:schemeClr>
+          </a:solidFill>
+          <a:ln>
+            <a:noFill/>
+          </a:ln>
+          <a:effectLst/>
+        </p:spPr>
+        <p:style>
+          <a:lnRef idx="1">
+            <a:schemeClr val="accent1"/>
+          </a:lnRef>
+          <a:fillRef idx="3">
+            <a:schemeClr val="accent1"/>
+          </a:fillRef>
+          <a:effectRef idx="2">
+            <a:schemeClr val="accent1"/>
+          </a:effectRef>
+          <a:fontRef idx="minor">
+            <a:schemeClr val="lt1"/>
+          </a:fontRef>
+        </p:style>
+      </p:sp>
+      <p:sp>
+        <p:nvSpPr>
+          <p:cNvPr id="22" name="Isosceles Triangle 21">
+            <a:extLst>
+              <a:ext uri="{FF2B5EF4-FFF2-40B4-BE49-F238E27FC236}">
+                <a16:creationId xmlns:a16="http://schemas.microsoft.com/office/drawing/2014/main" id="{A032553A-72E8-4B0D-8405-FF9771C9AF05}"/>
+              </a:ext>
+              <a:ext uri="{C183D7F6-B498-43B3-948B-1728B52AA6E4}">
+                <adec:decorative xmlns:adec="http://schemas.microsoft.com/office/drawing/2017/decorative" val="1"/>
+              </a:ext>
+            </a:extLst>
+          </p:cNvPr>
+          <p:cNvSpPr>
+            <a:spLocks noGrp="1" noRot="1" noChangeAspect="1" noMove="1" noResize="1" noEditPoints="1" noAdjustHandles="1" noChangeArrowheads="1" noChangeShapeType="1" noTextEdit="1"/>
+          </p:cNvSpPr>
+          <p:nvPr>
+            <p:extLst>
+              <p:ext uri="{386F3935-93C4-4BCD-93E2-E3B085C9AB24}">
+                <p16:designElem xmlns:p16="http://schemas.microsoft.com/office/powerpoint/2015/main" val="1"/>
+              </p:ext>
+            </p:extLst>
+          </p:nvPr>
+        </p:nvSpPr>
+        <p:spPr>
+          <a:xfrm>
+            <a:off x="4233425" y="3048000"/>
+            <a:ext cx="3259667" cy="3810000"/>
+          </a:xfrm>
+          <a:prstGeom prst="triangle">
+            <a:avLst>
+              <a:gd name="adj" fmla="val 100000"/>
+            </a:avLst>
+          </a:prstGeom>
+          <a:solidFill>
+            <a:schemeClr val="accent2">
+              <a:alpha val="72000"/>
+            </a:schemeClr>
+          </a:solidFill>
+          <a:ln>
+            <a:noFill/>
+          </a:ln>
+          <a:effectLst/>
+        </p:spPr>
+        <p:style>
+          <a:lnRef idx="1">
+            <a:schemeClr val="accent1"/>
+          </a:lnRef>
+          <a:fillRef idx="3">
+            <a:schemeClr val="accent1"/>
+          </a:fillRef>
+          <a:effectRef idx="2">
+            <a:schemeClr val="accent1"/>
+          </a:effectRef>
+          <a:fontRef idx="minor">
+            <a:schemeClr val="lt1"/>
+          </a:fontRef>
+        </p:style>
+      </p:sp>
+      <p:sp>
+        <p:nvSpPr>
+          <p:cNvPr id="24" name="Rectangle 27">
+            <a:extLst>
+              <a:ext uri="{FF2B5EF4-FFF2-40B4-BE49-F238E27FC236}">
+                <a16:creationId xmlns:a16="http://schemas.microsoft.com/office/drawing/2014/main" id="{765800AC-C3B9-498E-87BC-29FAE4C76B21}"/>
+              </a:ext>
+              <a:ext uri="{C183D7F6-B498-43B3-948B-1728B52AA6E4}">
+                <adec:decorative xmlns:adec="http://schemas.microsoft.com/office/drawing/2017/decorative" val="1"/>
+              </a:ext>
+            </a:extLst>
+          </p:cNvPr>
+          <p:cNvSpPr>
+            <a:spLocks noGrp="1" noRot="1" noChangeAspect="1" noMove="1" noResize="1" noEditPoints="1" noAdjustHandles="1" noChangeArrowheads="1" noChangeShapeType="1" noTextEdit="1"/>
+          </p:cNvSpPr>
+          <p:nvPr>
+            <p:extLst>
+              <p:ext uri="{386F3935-93C4-4BCD-93E2-E3B085C9AB24}">
+                <p16:designElem xmlns:p16="http://schemas.microsoft.com/office/powerpoint/2015/main" val="1"/>
+              </p:ext>
+            </p:extLst>
+          </p:nvPr>
+        </p:nvSpPr>
+        <p:spPr>
+          <a:xfrm>
+            <a:off x="4635592" y="-8467"/>
+            <a:ext cx="2854326" cy="6866467"/>
+          </a:xfrm>
+          <a:custGeom>
+            <a:avLst/>
+            <a:gdLst/>
+            <a:ahLst/>
+            <a:cxnLst/>
+            <a:rect l="l" t="t" r="r" b="b"/>
+            <a:pathLst>
+              <a:path w="2858013" h="6866467">
+                <a:moveTo>
+                  <a:pt x="0" y="0"/>
+                </a:moveTo>
+                <a:lnTo>
+                  <a:pt x="2858013" y="0"/>
+                </a:lnTo>
+                <a:lnTo>
+                  <a:pt x="2858013" y="6866467"/>
+                </a:lnTo>
+                <a:lnTo>
+                  <a:pt x="2473942" y="6866467"/>
+                </a:lnTo>
+                <a:lnTo>
+                  <a:pt x="0" y="0"/>
+                </a:lnTo>
+                <a:close/>
+              </a:path>
+            </a:pathLst>
+          </a:custGeom>
+          <a:solidFill>
+            <a:schemeClr val="accent2">
+              <a:lumMod val="75000"/>
+              <a:alpha val="70000"/>
+            </a:schemeClr>
+          </a:solidFill>
+          <a:ln>
+            <a:noFill/>
+          </a:ln>
+          <a:effectLst/>
+        </p:spPr>
+        <p:style>
+          <a:lnRef idx="1">
+            <a:schemeClr val="accent1"/>
+          </a:lnRef>
+          <a:fillRef idx="3">
+            <a:schemeClr val="accent1"/>
+          </a:fillRef>
+          <a:effectRef idx="2">
+            <a:schemeClr val="accent1"/>
+          </a:effectRef>
+          <a:fontRef idx="minor">
+            <a:schemeClr val="lt1"/>
+          </a:fontRef>
+        </p:style>
+      </p:sp>
+      <p:sp>
+        <p:nvSpPr>
+          <p:cNvPr id="26" name="Isosceles Triangle 25">
+            <a:extLst>
+              <a:ext uri="{FF2B5EF4-FFF2-40B4-BE49-F238E27FC236}">
+                <a16:creationId xmlns:a16="http://schemas.microsoft.com/office/drawing/2014/main" id="{1F9D6ACB-2FF4-49F9-978A-E0D5327FC635}"/>
+              </a:ext>
+              <a:ext uri="{C183D7F6-B498-43B3-948B-1728B52AA6E4}">
+                <adec:decorative xmlns:adec="http://schemas.microsoft.com/office/drawing/2017/decorative" val="1"/>
+              </a:ext>
+            </a:extLst>
+          </p:cNvPr>
+          <p:cNvSpPr>
+            <a:spLocks noGrp="1" noRot="1" noChangeAspect="1" noMove="1" noResize="1" noEditPoints="1" noAdjustHandles="1" noChangeArrowheads="1" noChangeShapeType="1" noTextEdit="1"/>
+          </p:cNvSpPr>
+          <p:nvPr>
+            <p:extLst>
+              <p:ext uri="{386F3935-93C4-4BCD-93E2-E3B085C9AB24}">
+                <p16:designElem xmlns:p16="http://schemas.microsoft.com/office/powerpoint/2015/main" val="1"/>
+              </p:ext>
+            </p:extLst>
+          </p:nvPr>
+        </p:nvSpPr>
+        <p:spPr>
+          <a:xfrm>
+            <a:off x="5672758" y="3589867"/>
+            <a:ext cx="1817159" cy="3268133"/>
+          </a:xfrm>
+          <a:prstGeom prst="triangle">
+            <a:avLst>
+              <a:gd name="adj" fmla="val 100000"/>
+            </a:avLst>
+          </a:prstGeom>
+          <a:solidFill>
+            <a:schemeClr val="accent1">
+              <a:alpha val="80000"/>
+            </a:schemeClr>
+          </a:solidFill>
+          <a:ln>
+            <a:noFill/>
+          </a:ln>
+          <a:effectLst/>
+        </p:spPr>
+        <p:style>
+          <a:lnRef idx="1">
+            <a:schemeClr val="accent1"/>
+          </a:lnRef>
+          <a:fillRef idx="3">
+            <a:schemeClr val="accent1"/>
+          </a:fillRef>
+          <a:effectRef idx="2">
+            <a:schemeClr val="accent1"/>
+          </a:effectRef>
+          <a:fontRef idx="minor">
+            <a:schemeClr val="lt1"/>
+          </a:fontRef>
+        </p:style>
+      </p:sp>
+      <p:sp>
+        <p:nvSpPr>
+          <p:cNvPr id="28" name="Freeform: Shape 27">
+            <a:extLst>
+              <a:ext uri="{FF2B5EF4-FFF2-40B4-BE49-F238E27FC236}">
+                <a16:creationId xmlns:a16="http://schemas.microsoft.com/office/drawing/2014/main" id="{A5EC319D-0FEA-4B95-A3EA-01E35672C95B}"/>
+              </a:ext>
+              <a:ext uri="{C183D7F6-B498-43B3-948B-1728B52AA6E4}">
+                <adec:decorative xmlns:adec="http://schemas.microsoft.com/office/drawing/2017/decorative" val="1"/>
+              </a:ext>
+            </a:extLst>
+          </p:cNvPr>
+          <p:cNvSpPr>
+            <a:spLocks noGrp="1" noRot="1" noChangeAspect="1" noMove="1" noResize="1" noEditPoints="1" noAdjustHandles="1" noChangeArrowheads="1" noChangeShapeType="1" noTextEdit="1"/>
+          </p:cNvSpPr>
+          <p:nvPr>
+            <p:extLst>
+              <p:ext uri="{386F3935-93C4-4BCD-93E2-E3B085C9AB24}">
+                <p16:designElem xmlns:p16="http://schemas.microsoft.com/office/powerpoint/2015/main" val="1"/>
+              </p:ext>
+            </p:extLst>
+          </p:nvPr>
+        </p:nvSpPr>
+        <p:spPr>
+          <a:xfrm>
+            <a:off x="6197631" y="-8467"/>
+            <a:ext cx="5994369" cy="6866467"/>
+          </a:xfrm>
+          <a:custGeom>
+            <a:avLst/>
+            <a:gdLst>
+              <a:gd name="connsiteX0" fmla="*/ 0 w 5994369"/>
+              <a:gd name="connsiteY0" fmla="*/ 0 h 6866467"/>
+              <a:gd name="connsiteX1" fmla="*/ 1249825 w 5994369"/>
+              <a:gd name="connsiteY1" fmla="*/ 0 h 6866467"/>
+              <a:gd name="connsiteX2" fmla="*/ 1249825 w 5994369"/>
+              <a:gd name="connsiteY2" fmla="*/ 8467 h 6866467"/>
+              <a:gd name="connsiteX3" fmla="*/ 5994369 w 5994369"/>
+              <a:gd name="connsiteY3" fmla="*/ 8467 h 6866467"/>
+              <a:gd name="connsiteX4" fmla="*/ 5994369 w 5994369"/>
+              <a:gd name="connsiteY4" fmla="*/ 6866467 h 6866467"/>
+              <a:gd name="connsiteX5" fmla="*/ 1249825 w 5994369"/>
+              <a:gd name="connsiteY5" fmla="*/ 6866467 h 6866467"/>
+              <a:gd name="connsiteX6" fmla="*/ 1109382 w 5994369"/>
+              <a:gd name="connsiteY6" fmla="*/ 6866467 h 6866467"/>
+            </a:gdLst>
+            <a:ahLst/>
+            <a:cxnLst>
+              <a:cxn ang="0">
+                <a:pos x="connsiteX0" y="connsiteY0"/>
+              </a:cxn>
+              <a:cxn ang="0">
+                <a:pos x="connsiteX1" y="connsiteY1"/>
+              </a:cxn>
+              <a:cxn ang="0">
+                <a:pos x="connsiteX2" y="connsiteY2"/>
+              </a:cxn>
+              <a:cxn ang="0">
+                <a:pos x="connsiteX3" y="connsiteY3"/>
+              </a:cxn>
+              <a:cxn ang="0">
+                <a:pos x="connsiteX4" y="connsiteY4"/>
+              </a:cxn>
+              <a:cxn ang="0">
+                <a:pos x="connsiteX5" y="connsiteY5"/>
+              </a:cxn>
+              <a:cxn ang="0">
+                <a:pos x="connsiteX6" y="connsiteY6"/>
+              </a:cxn>
+            </a:cxnLst>
+            <a:rect l="l" t="t" r="r" b="b"/>
+            <a:pathLst>
+              <a:path w="5994369" h="6866467">
+                <a:moveTo>
+                  <a:pt x="0" y="0"/>
+                </a:moveTo>
+                <a:lnTo>
+                  <a:pt x="1249825" y="0"/>
+                </a:lnTo>
+                <a:lnTo>
+                  <a:pt x="1249825" y="8467"/>
+                </a:lnTo>
+                <a:lnTo>
+                  <a:pt x="5994369" y="8467"/>
+                </a:lnTo>
+                <a:lnTo>
+                  <a:pt x="5994369" y="6866467"/>
+                </a:lnTo>
+                <a:lnTo>
+                  <a:pt x="1249825" y="6866467"/>
+                </a:lnTo>
+                <a:lnTo>
+                  <a:pt x="1109382" y="6866467"/>
+                </a:lnTo>
+                <a:close/>
+              </a:path>
+            </a:pathLst>
+          </a:custGeom>
+          <a:solidFill>
+            <a:schemeClr val="accent2">
+              <a:lumMod val="75000"/>
+            </a:schemeClr>
+          </a:solidFill>
+          <a:ln>
+            <a:noFill/>
+          </a:ln>
+        </p:spPr>
+        <p:style>
+          <a:lnRef idx="2">
+            <a:schemeClr val="accent1">
+              <a:shade val="50000"/>
+            </a:schemeClr>
+          </a:lnRef>
+          <a:fillRef idx="1">
+            <a:schemeClr val="accent1"/>
+          </a:fillRef>
+          <a:effectRef idx="0">
+            <a:schemeClr val="accent1"/>
+          </a:effectRef>
+          <a:fontRef idx="minor">
+            <a:schemeClr val="lt1"/>
+          </a:fontRef>
+        </p:style>
+        <p:txBody>
+          <a:bodyPr wrap="square" rtlCol="0" anchor="ctr">
+            <a:noAutofit/>
           </a:bodyPr>
           <a:lstStyle/>
           <a:p>
-            <a:pPr marL="0" indent="0" algn="ctr">
-              <a:buNone/>
-            </a:pPr>
-            <a:r>
-              <a:rPr lang="de-DE" sz="6000" dirty="0">
-                <a:solidFill>
-                  <a:schemeClr val="accent1">
-                    <a:lumMod val="50000"/>
-                  </a:schemeClr>
-                </a:solidFill>
-              </a:rPr>
-              <a:t>Vielen Dank für Ihre Aufmerksamkeit!</a:t>
-            </a:r>
-            <a:endParaRPr lang="de-DE" dirty="0">
-              <a:solidFill>
-                <a:schemeClr val="accent1">
-                  <a:lumMod val="50000"/>
-                </a:schemeClr>
-              </a:solidFill>
-            </a:endParaRPr>
+            <a:pPr algn="ctr"/>
+            <a:endParaRPr lang="en-US"/>
           </a:p>
         </p:txBody>
       </p:sp>
@@ -8852,14 +9775,56 @@
         </p:blipFill>
         <p:spPr>
           <a:xfrm>
-            <a:off x="7423508" y="-569108"/>
-            <a:ext cx="2271678" cy="3206248"/>
+            <a:off x="187786" y="-56588"/>
+            <a:ext cx="5227196" cy="7388024"/>
           </a:xfrm>
           <a:prstGeom prst="rect">
             <a:avLst/>
           </a:prstGeom>
         </p:spPr>
       </p:pic>
+      <p:sp>
+        <p:nvSpPr>
+          <p:cNvPr id="3" name="Content Placeholder 2">
+            <a:extLst>
+              <a:ext uri="{FF2B5EF4-FFF2-40B4-BE49-F238E27FC236}">
+                <a16:creationId xmlns:a16="http://schemas.microsoft.com/office/drawing/2014/main" id="{84E4B546-05E4-4CC1-8E15-86E3B77C2C17}"/>
+              </a:ext>
+            </a:extLst>
+          </p:cNvPr>
+          <p:cNvSpPr>
+            <a:spLocks noGrp="1"/>
+          </p:cNvSpPr>
+          <p:nvPr>
+            <p:ph idx="1"/>
+          </p:nvPr>
+        </p:nvSpPr>
+        <p:spPr>
+          <a:xfrm>
+            <a:off x="6882713" y="2615482"/>
+            <a:ext cx="5217113" cy="3539785"/>
+          </a:xfrm>
+        </p:spPr>
+        <p:txBody>
+          <a:bodyPr vert="horz" lIns="91440" tIns="45720" rIns="91440" bIns="45720" rtlCol="0" anchor="t">
+            <a:normAutofit/>
+          </a:bodyPr>
+          <a:lstStyle/>
+          <a:p>
+            <a:pPr marL="0" indent="0">
+              <a:buNone/>
+            </a:pPr>
+            <a:r>
+              <a:rPr lang="de-DE" sz="4400">
+                <a:solidFill>
+                  <a:srgbClr val="FFFFFF"/>
+                </a:solidFill>
+              </a:rPr>
+              <a:t>Vielen Dank für Ihre Aufmerksamkeit!</a:t>
+            </a:r>
+          </a:p>
+        </p:txBody>
+      </p:sp>
     </p:spTree>
     <p:extLst>
       <p:ext uri="{BB962C8B-B14F-4D97-AF65-F5344CB8AC3E}">
@@ -8870,6 +9835,18 @@
   <p:clrMapOvr>
     <a:masterClrMapping/>
   </p:clrMapOvr>
+  <mc:AlternateContent xmlns:mc="http://schemas.openxmlformats.org/markup-compatibility/2006">
+    <mc:Choice xmlns:p159="http://schemas.microsoft.com/office/powerpoint/2015/09/main" Requires="p159">
+      <p:transition xmlns:p14="http://schemas.microsoft.com/office/powerpoint/2010/main" spd="slow" p14:dur="2000">
+        <p159:morph option="byWord"/>
+      </p:transition>
+    </mc:Choice>
+    <mc:Fallback>
+      <p:transition spd="slow">
+        <p:fade/>
+      </p:transition>
+    </mc:Fallback>
+  </mc:AlternateContent>
 </p:sld>
 </file>
 
@@ -9427,6 +10404,18 @@
   <p:clrMapOvr>
     <a:masterClrMapping/>
   </p:clrMapOvr>
+  <mc:AlternateContent xmlns:mc="http://schemas.openxmlformats.org/markup-compatibility/2006">
+    <mc:Choice xmlns:p159="http://schemas.microsoft.com/office/powerpoint/2015/09/main" Requires="p159">
+      <p:transition xmlns:p14="http://schemas.microsoft.com/office/powerpoint/2010/main" spd="slow" p14:dur="2000">
+        <p159:morph option="byWord"/>
+      </p:transition>
+    </mc:Choice>
+    <mc:Fallback>
+      <p:transition spd="slow">
+        <p:fade/>
+      </p:transition>
+    </mc:Fallback>
+  </mc:AlternateContent>
 </p:sld>
 </file>
 
@@ -9603,6 +10592,18 @@
   <p:clrMapOvr>
     <a:masterClrMapping/>
   </p:clrMapOvr>
+  <mc:AlternateContent xmlns:mc="http://schemas.openxmlformats.org/markup-compatibility/2006">
+    <mc:Choice xmlns:p159="http://schemas.microsoft.com/office/powerpoint/2015/09/main" Requires="p159">
+      <p:transition xmlns:p14="http://schemas.microsoft.com/office/powerpoint/2010/main" spd="slow" p14:dur="2000">
+        <p159:morph option="byWord"/>
+      </p:transition>
+    </mc:Choice>
+    <mc:Fallback>
+      <p:transition spd="slow">
+        <p:fade/>
+      </p:transition>
+    </mc:Fallback>
+  </mc:AlternateContent>
 </p:sld>
 </file>
 
@@ -9888,6 +10889,36 @@
           </a:prstGeom>
         </p:spPr>
       </p:pic>
+      <p:pic>
+        <p:nvPicPr>
+          <p:cNvPr id="7" name="Picture 7">
+            <a:extLst>
+              <a:ext uri="{FF2B5EF4-FFF2-40B4-BE49-F238E27FC236}">
+                <a16:creationId xmlns:a16="http://schemas.microsoft.com/office/drawing/2014/main" id="{AEBF36C5-B5E4-449F-8082-AB34E682104A}"/>
+              </a:ext>
+            </a:extLst>
+          </p:cNvPr>
+          <p:cNvPicPr>
+            <a:picLocks noChangeAspect="1"/>
+          </p:cNvPicPr>
+          <p:nvPr/>
+        </p:nvPicPr>
+        <p:blipFill>
+          <a:blip r:embed="rId4"/>
+          <a:stretch>
+            <a:fillRect/>
+          </a:stretch>
+        </p:blipFill>
+        <p:spPr>
+          <a:xfrm>
+            <a:off x="6229109" y="2935147"/>
+            <a:ext cx="3572718" cy="3572718"/>
+          </a:xfrm>
+          <a:prstGeom prst="rect">
+            <a:avLst/>
+          </a:prstGeom>
+        </p:spPr>
+      </p:pic>
     </p:spTree>
     <p:extLst>
       <p:ext uri="{BB962C8B-B14F-4D97-AF65-F5344CB8AC3E}">
@@ -9898,6 +10929,18 @@
   <p:clrMapOvr>
     <a:masterClrMapping/>
   </p:clrMapOvr>
+  <mc:AlternateContent xmlns:mc="http://schemas.openxmlformats.org/markup-compatibility/2006">
+    <mc:Choice xmlns:p159="http://schemas.microsoft.com/office/powerpoint/2015/09/main" Requires="p159">
+      <p:transition xmlns:p14="http://schemas.microsoft.com/office/powerpoint/2010/main" spd="slow" p14:dur="2000">
+        <p159:morph option="byWord"/>
+      </p:transition>
+    </mc:Choice>
+    <mc:Fallback>
+      <p:transition spd="slow">
+        <p:fade/>
+      </p:transition>
+    </mc:Fallback>
+  </mc:AlternateContent>
 </p:sld>
 </file>
 
@@ -10233,6 +11276,18 @@
   <p:clrMapOvr>
     <a:masterClrMapping/>
   </p:clrMapOvr>
+  <mc:AlternateContent xmlns:mc="http://schemas.openxmlformats.org/markup-compatibility/2006">
+    <mc:Choice xmlns:p159="http://schemas.microsoft.com/office/powerpoint/2015/09/main" Requires="p159">
+      <p:transition xmlns:p14="http://schemas.microsoft.com/office/powerpoint/2010/main" spd="slow" p14:dur="2000">
+        <p159:morph option="byWord"/>
+      </p:transition>
+    </mc:Choice>
+    <mc:Fallback>
+      <p:transition spd="slow">
+        <p:fade/>
+      </p:transition>
+    </mc:Fallback>
+  </mc:AlternateContent>
 </p:sld>
 </file>
 
@@ -10452,6 +11507,18 @@
   <p:clrMapOvr>
     <a:masterClrMapping/>
   </p:clrMapOvr>
+  <mc:AlternateContent xmlns:mc="http://schemas.openxmlformats.org/markup-compatibility/2006">
+    <mc:Choice xmlns:p159="http://schemas.microsoft.com/office/powerpoint/2015/09/main" Requires="p159">
+      <p:transition xmlns:p14="http://schemas.microsoft.com/office/powerpoint/2010/main" spd="slow" p14:dur="2000">
+        <p159:morph option="byWord"/>
+      </p:transition>
+    </mc:Choice>
+    <mc:Fallback>
+      <p:transition spd="slow">
+        <p:fade/>
+      </p:transition>
+    </mc:Fallback>
+  </mc:AlternateContent>
 </p:sld>
 </file>
 
@@ -10562,6 +11629,18 @@
   <p:clrMapOvr>
     <a:masterClrMapping/>
   </p:clrMapOvr>
+  <mc:AlternateContent xmlns:mc="http://schemas.openxmlformats.org/markup-compatibility/2006">
+    <mc:Choice xmlns:p159="http://schemas.microsoft.com/office/powerpoint/2015/09/main" Requires="p159">
+      <p:transition xmlns:p14="http://schemas.microsoft.com/office/powerpoint/2010/main" spd="slow" p14:dur="2000">
+        <p159:morph option="byWord"/>
+      </p:transition>
+    </mc:Choice>
+    <mc:Fallback>
+      <p:transition spd="slow">
+        <p:fade/>
+      </p:transition>
+    </mc:Fallback>
+  </mc:AlternateContent>
 </p:sld>
 </file>
 
@@ -10653,7 +11732,7 @@
                   </a:schemeClr>
                 </a:solidFill>
               </a:rPr>
-              <a:t>Zwei Mitbewerber </a:t>
+              <a:t>Drei Mitbewerber </a:t>
             </a:r>
           </a:p>
           <a:p>
@@ -10802,6 +11881,18 @@
   <p:clrMapOvr>
     <a:masterClrMapping/>
   </p:clrMapOvr>
+  <mc:AlternateContent xmlns:mc="http://schemas.openxmlformats.org/markup-compatibility/2006">
+    <mc:Choice xmlns:p159="http://schemas.microsoft.com/office/powerpoint/2015/09/main" Requires="p159">
+      <p:transition xmlns:p14="http://schemas.microsoft.com/office/powerpoint/2010/main" spd="slow" p14:dur="2000">
+        <p159:morph option="byWord"/>
+      </p:transition>
+    </mc:Choice>
+    <mc:Fallback>
+      <p:transition spd="slow">
+        <p:fade/>
+      </p:transition>
+    </mc:Fallback>
+  </mc:AlternateContent>
 </p:sld>
 </file>
 
@@ -11700,6 +12791,18 @@
   <p:clrMapOvr>
     <a:masterClrMapping/>
   </p:clrMapOvr>
+  <mc:AlternateContent xmlns:mc="http://schemas.openxmlformats.org/markup-compatibility/2006">
+    <mc:Choice xmlns:p159="http://schemas.microsoft.com/office/powerpoint/2015/09/main" Requires="p159">
+      <p:transition xmlns:p14="http://schemas.microsoft.com/office/powerpoint/2010/main" spd="slow" p14:dur="2000">
+        <p159:morph option="byWord"/>
+      </p:transition>
+    </mc:Choice>
+    <mc:Fallback>
+      <p:transition spd="slow">
+        <p:fade/>
+      </p:transition>
+    </mc:Fallback>
+  </mc:AlternateContent>
 </p:sld>
 </file>
 
